--- a/Doc/Libs/ZSIpcTrace/Overview.pptx
+++ b/Doc/Libs/ZSIpcTrace/Overview.pptx
@@ -104,6 +104,11 @@
       </a:defRPr>
     </a:lvl9pPr>
   </p:defaultTextStyle>
+  <p:extLst>
+    <p:ext uri="{EFAFB233-063F-42B5-8137-9DF3F51BA10A}">
+      <p15:sldGuideLst xmlns:p15="http://schemas.microsoft.com/office/powerpoint/2012/main"/>
+    </p:ext>
+  </p:extLst>
 </p:presentation>
 </file>
 
@@ -254,7 +259,7 @@
           <a:p>
             <a:fld id="{99BCB60A-E9EF-4256-A8F3-CDC6B78250BE}" type="datetimeFigureOut">
               <a:rPr lang="de-DE" smtClean="0"/>
-              <a:t>27.02.2022</a:t>
+              <a:t>10.03.2022</a:t>
             </a:fld>
             <a:endParaRPr lang="de-DE"/>
           </a:p>
@@ -452,7 +457,7 @@
           <a:p>
             <a:fld id="{99BCB60A-E9EF-4256-A8F3-CDC6B78250BE}" type="datetimeFigureOut">
               <a:rPr lang="de-DE" smtClean="0"/>
-              <a:t>27.02.2022</a:t>
+              <a:t>10.03.2022</a:t>
             </a:fld>
             <a:endParaRPr lang="de-DE"/>
           </a:p>
@@ -660,7 +665,7 @@
           <a:p>
             <a:fld id="{99BCB60A-E9EF-4256-A8F3-CDC6B78250BE}" type="datetimeFigureOut">
               <a:rPr lang="de-DE" smtClean="0"/>
-              <a:t>27.02.2022</a:t>
+              <a:t>10.03.2022</a:t>
             </a:fld>
             <a:endParaRPr lang="de-DE"/>
           </a:p>
@@ -858,7 +863,7 @@
           <a:p>
             <a:fld id="{99BCB60A-E9EF-4256-A8F3-CDC6B78250BE}" type="datetimeFigureOut">
               <a:rPr lang="de-DE" smtClean="0"/>
-              <a:t>27.02.2022</a:t>
+              <a:t>10.03.2022</a:t>
             </a:fld>
             <a:endParaRPr lang="de-DE"/>
           </a:p>
@@ -1133,7 +1138,7 @@
           <a:p>
             <a:fld id="{99BCB60A-E9EF-4256-A8F3-CDC6B78250BE}" type="datetimeFigureOut">
               <a:rPr lang="de-DE" smtClean="0"/>
-              <a:t>27.02.2022</a:t>
+              <a:t>10.03.2022</a:t>
             </a:fld>
             <a:endParaRPr lang="de-DE"/>
           </a:p>
@@ -1398,7 +1403,7 @@
           <a:p>
             <a:fld id="{99BCB60A-E9EF-4256-A8F3-CDC6B78250BE}" type="datetimeFigureOut">
               <a:rPr lang="de-DE" smtClean="0"/>
-              <a:t>27.02.2022</a:t>
+              <a:t>10.03.2022</a:t>
             </a:fld>
             <a:endParaRPr lang="de-DE"/>
           </a:p>
@@ -1810,7 +1815,7 @@
           <a:p>
             <a:fld id="{99BCB60A-E9EF-4256-A8F3-CDC6B78250BE}" type="datetimeFigureOut">
               <a:rPr lang="de-DE" smtClean="0"/>
-              <a:t>27.02.2022</a:t>
+              <a:t>10.03.2022</a:t>
             </a:fld>
             <a:endParaRPr lang="de-DE"/>
           </a:p>
@@ -1951,7 +1956,7 @@
           <a:p>
             <a:fld id="{99BCB60A-E9EF-4256-A8F3-CDC6B78250BE}" type="datetimeFigureOut">
               <a:rPr lang="de-DE" smtClean="0"/>
-              <a:t>27.02.2022</a:t>
+              <a:t>10.03.2022</a:t>
             </a:fld>
             <a:endParaRPr lang="de-DE"/>
           </a:p>
@@ -2064,7 +2069,7 @@
           <a:p>
             <a:fld id="{99BCB60A-E9EF-4256-A8F3-CDC6B78250BE}" type="datetimeFigureOut">
               <a:rPr lang="de-DE" smtClean="0"/>
-              <a:t>27.02.2022</a:t>
+              <a:t>10.03.2022</a:t>
             </a:fld>
             <a:endParaRPr lang="de-DE"/>
           </a:p>
@@ -2375,7 +2380,7 @@
           <a:p>
             <a:fld id="{99BCB60A-E9EF-4256-A8F3-CDC6B78250BE}" type="datetimeFigureOut">
               <a:rPr lang="de-DE" smtClean="0"/>
-              <a:t>27.02.2022</a:t>
+              <a:t>10.03.2022</a:t>
             </a:fld>
             <a:endParaRPr lang="de-DE"/>
           </a:p>
@@ -2663,7 +2668,7 @@
           <a:p>
             <a:fld id="{99BCB60A-E9EF-4256-A8F3-CDC6B78250BE}" type="datetimeFigureOut">
               <a:rPr lang="de-DE" smtClean="0"/>
-              <a:t>27.02.2022</a:t>
+              <a:t>10.03.2022</a:t>
             </a:fld>
             <a:endParaRPr lang="de-DE"/>
           </a:p>
@@ -2904,7 +2909,7 @@
           <a:p>
             <a:fld id="{99BCB60A-E9EF-4256-A8F3-CDC6B78250BE}" type="datetimeFigureOut">
               <a:rPr lang="de-DE" smtClean="0"/>
-              <a:t>27.02.2022</a:t>
+              <a:t>10.03.2022</a:t>
             </a:fld>
             <a:endParaRPr lang="de-DE"/>
           </a:p>
@@ -3387,8 +3392,8 @@
         </p:nvSpPr>
         <p:spPr>
           <a:xfrm>
-            <a:off x="8030101" y="972298"/>
-            <a:ext cx="2642421" cy="4024890"/>
+            <a:off x="7517854" y="1046981"/>
+            <a:ext cx="4080669" cy="4494436"/>
           </a:xfrm>
           <a:prstGeom prst="rect">
             <a:avLst/>
@@ -3980,7 +3985,7 @@
           <a:p>
             <a:r>
               <a:rPr lang="de-DE" sz="1400" dirty="0"/>
-              <a:t>App.log</a:t>
+              <a:t>Trace.log</a:t>
             </a:r>
           </a:p>
         </p:txBody>
@@ -4157,7 +4162,7 @@
         </p:nvSpPr>
         <p:spPr>
           <a:xfrm>
-            <a:off x="8637247" y="3272774"/>
+            <a:off x="8027651" y="3272774"/>
             <a:ext cx="1509261" cy="290052"/>
           </a:xfrm>
           <a:prstGeom prst="rect">
@@ -4235,7 +4240,7 @@
         </p:nvSpPr>
         <p:spPr>
           <a:xfrm>
-            <a:off x="8637246" y="3819606"/>
+            <a:off x="8027650" y="3819606"/>
             <a:ext cx="1509262" cy="290052"/>
           </a:xfrm>
           <a:prstGeom prst="rect">
@@ -4324,7 +4329,7 @@
         </p:nvSpPr>
         <p:spPr>
           <a:xfrm>
-            <a:off x="8437556" y="2620280"/>
+            <a:off x="7827960" y="2620280"/>
             <a:ext cx="1908644" cy="290052"/>
           </a:xfrm>
           <a:prstGeom prst="rect">
@@ -4402,7 +4407,7 @@
         </p:nvSpPr>
         <p:spPr>
           <a:xfrm>
-            <a:off x="8723681" y="1470016"/>
+            <a:off x="8114085" y="1470016"/>
             <a:ext cx="1317516" cy="290052"/>
           </a:xfrm>
           <a:prstGeom prst="rect">
@@ -4480,7 +4485,7 @@
         </p:nvSpPr>
         <p:spPr>
           <a:xfrm>
-            <a:off x="8723682" y="2094796"/>
+            <a:off x="8114086" y="2094796"/>
             <a:ext cx="1317516" cy="290052"/>
           </a:xfrm>
           <a:prstGeom prst="rect">
@@ -4558,8 +4563,8 @@
         </p:nvSpPr>
         <p:spPr>
           <a:xfrm>
-            <a:off x="8644528" y="4454489"/>
-            <a:ext cx="1509261" cy="290050"/>
+            <a:off x="9915825" y="3253586"/>
+            <a:ext cx="1509260" cy="290050"/>
           </a:xfrm>
           <a:prstGeom prst="rect">
             <a:avLst/>
@@ -4937,7 +4942,7 @@
         </p:nvCxnSpPr>
         <p:spPr>
           <a:xfrm flipH="1">
-            <a:off x="9391877" y="3562826"/>
+            <a:off x="8782281" y="3562826"/>
             <a:ext cx="1" cy="256780"/>
           </a:xfrm>
           <a:prstGeom prst="straightConnector1">
@@ -4980,7 +4985,7 @@
         </p:nvCxnSpPr>
         <p:spPr>
           <a:xfrm flipV="1">
-            <a:off x="9391878" y="2910332"/>
+            <a:off x="8782282" y="2910332"/>
             <a:ext cx="0" cy="362442"/>
           </a:xfrm>
           <a:prstGeom prst="straightConnector1">
@@ -5023,7 +5028,7 @@
         </p:nvCxnSpPr>
         <p:spPr>
           <a:xfrm flipH="1" flipV="1">
-            <a:off x="9382440" y="2384848"/>
+            <a:off x="8772844" y="2384848"/>
             <a:ext cx="9438" cy="235432"/>
           </a:xfrm>
           <a:prstGeom prst="straightConnector1">
@@ -5066,7 +5071,7 @@
         </p:nvCxnSpPr>
         <p:spPr>
           <a:xfrm flipH="1" flipV="1">
-            <a:off x="9382439" y="1760068"/>
+            <a:off x="8772843" y="1760068"/>
             <a:ext cx="1" cy="334728"/>
           </a:xfrm>
           <a:prstGeom prst="straightConnector1">
@@ -5139,10 +5144,145 @@
       </p:sp>
       <p:sp>
         <p:nvSpPr>
-          <p:cNvPr id="57" name="Pfeil: nach unten 56">
-            <a:extLst>
-              <a:ext uri="{FF2B5EF4-FFF2-40B4-BE49-F238E27FC236}">
-                <a16:creationId xmlns:a16="http://schemas.microsoft.com/office/drawing/2014/main" id="{CDBD63CA-C1A7-4A23-A6B8-D1A5E8BC4A9A}"/>
+          <p:cNvPr id="68" name="Textfeld 67">
+            <a:extLst>
+              <a:ext uri="{FF2B5EF4-FFF2-40B4-BE49-F238E27FC236}">
+                <a16:creationId xmlns:a16="http://schemas.microsoft.com/office/drawing/2014/main" id="{DC3D8D6D-472A-428B-A3BE-B793130FF065}"/>
+              </a:ext>
+            </a:extLst>
+          </p:cNvPr>
+          <p:cNvSpPr txBox="1"/>
+          <p:nvPr/>
+        </p:nvSpPr>
+        <p:spPr>
+          <a:xfrm rot="5400000">
+            <a:off x="6286582" y="3333918"/>
+            <a:ext cx="1532471" cy="307777"/>
+          </a:xfrm>
+          <a:prstGeom prst="rect">
+            <a:avLst/>
+          </a:prstGeom>
+          <a:noFill/>
+        </p:spPr>
+        <p:txBody>
+          <a:bodyPr wrap="none" rtlCol="0">
+            <a:spAutoFit/>
+          </a:bodyPr>
+          <a:lstStyle/>
+          <a:p>
+            <a:r>
+              <a:rPr lang="de-DE" sz="1400" dirty="0"/>
+              <a:t>TCP/IP Connection</a:t>
+            </a:r>
+          </a:p>
+        </p:txBody>
+      </p:sp>
+      <p:sp>
+        <p:nvSpPr>
+          <p:cNvPr id="34" name="Titel 1">
+            <a:extLst>
+              <a:ext uri="{FF2B5EF4-FFF2-40B4-BE49-F238E27FC236}">
+                <a16:creationId xmlns:a16="http://schemas.microsoft.com/office/drawing/2014/main" id="{E4D9FCAC-A1EA-4474-A661-C761A22B2097}"/>
+              </a:ext>
+            </a:extLst>
+          </p:cNvPr>
+          <p:cNvSpPr txBox="1">
+            <a:spLocks/>
+          </p:cNvSpPr>
+          <p:nvPr/>
+        </p:nvSpPr>
+        <p:spPr>
+          <a:xfrm>
+            <a:off x="3948331" y="2744562"/>
+            <a:ext cx="2430448" cy="290052"/>
+          </a:xfrm>
+          <a:prstGeom prst="rect">
+            <a:avLst/>
+          </a:prstGeom>
+          <a:solidFill>
+            <a:schemeClr val="bg1">
+              <a:lumMod val="85000"/>
+            </a:schemeClr>
+          </a:solidFill>
+          <a:ln>
+            <a:solidFill>
+              <a:schemeClr val="tx1"/>
+            </a:solidFill>
+          </a:ln>
+        </p:spPr>
+        <p:txBody>
+          <a:bodyPr vert="horz" lIns="91440" tIns="45720" rIns="91440" bIns="45720" rtlCol="0" anchor="b">
+            <a:normAutofit/>
+          </a:bodyPr>
+          <a:lstStyle>
+            <a:lvl1pPr algn="ctr" defTabSz="914400" rtl="0" eaLnBrk="1" latinLnBrk="0" hangingPunct="1">
+              <a:lnSpc>
+                <a:spcPct val="90000"/>
+              </a:lnSpc>
+              <a:spcBef>
+                <a:spcPct val="0"/>
+              </a:spcBef>
+              <a:buNone/>
+              <a:defRPr sz="6000" kern="1200">
+                <a:solidFill>
+                  <a:schemeClr val="tx1"/>
+                </a:solidFill>
+                <a:latin typeface="+mj-lt"/>
+                <a:ea typeface="+mj-ea"/>
+                <a:cs typeface="+mj-cs"/>
+              </a:defRPr>
+            </a:lvl1pPr>
+          </a:lstStyle>
+          <a:p>
+            <a:r>
+              <a:rPr lang="de-DE" sz="1200" dirty="0" err="1">
+                <a:solidFill>
+                  <a:schemeClr val="accent1">
+                    <a:lumMod val="50000"/>
+                  </a:schemeClr>
+                </a:solidFill>
+                <a:latin typeface="Consolas" panose="020B0609020204030204" pitchFamily="49" charset="0"/>
+              </a:rPr>
+              <a:t>Ipc</a:t>
+            </a:r>
+            <a:r>
+              <a:rPr lang="de-DE" sz="1200" dirty="0">
+                <a:solidFill>
+                  <a:schemeClr val="accent1">
+                    <a:lumMod val="50000"/>
+                  </a:schemeClr>
+                </a:solidFill>
+                <a:latin typeface="Consolas" panose="020B0609020204030204" pitchFamily="49" charset="0"/>
+              </a:rPr>
+              <a:t>::</a:t>
+            </a:r>
+            <a:r>
+              <a:rPr lang="de-DE" sz="1200" dirty="0" err="1">
+                <a:solidFill>
+                  <a:schemeClr val="accent1">
+                    <a:lumMod val="50000"/>
+                  </a:schemeClr>
+                </a:solidFill>
+                <a:latin typeface="Consolas" panose="020B0609020204030204" pitchFamily="49" charset="0"/>
+              </a:rPr>
+              <a:t>CServerGatewayThread</a:t>
+            </a:r>
+            <a:endParaRPr lang="de-DE" sz="1200" dirty="0">
+              <a:solidFill>
+                <a:schemeClr val="accent1">
+                  <a:lumMod val="50000"/>
+                </a:schemeClr>
+              </a:solidFill>
+            </a:endParaRPr>
+          </a:p>
+        </p:txBody>
+      </p:sp>
+      <p:sp>
+        <p:nvSpPr>
+          <p:cNvPr id="3" name="Pfeil: nach rechts 2">
+            <a:extLst>
+              <a:ext uri="{FF2B5EF4-FFF2-40B4-BE49-F238E27FC236}">
+                <a16:creationId xmlns:a16="http://schemas.microsoft.com/office/drawing/2014/main" id="{BDD2D3C6-F59C-42C7-ABBF-1B2651B9893B}"/>
               </a:ext>
             </a:extLst>
           </p:cNvPr>
@@ -5150,11 +5290,11 @@
           <p:nvPr/>
         </p:nvSpPr>
         <p:spPr>
-          <a:xfrm>
-            <a:off x="9307214" y="4109400"/>
-            <a:ext cx="179534" cy="345090"/>
-          </a:xfrm>
-          <a:prstGeom prst="downArrow">
+          <a:xfrm flipV="1">
+            <a:off x="9536912" y="3321450"/>
+            <a:ext cx="378912" cy="178348"/>
+          </a:xfrm>
+          <a:prstGeom prst="rightArrow">
             <a:avLst/>
           </a:prstGeom>
         </p:spPr>
@@ -5185,28 +5325,623 @@
       </p:sp>
       <p:cxnSp>
         <p:nvCxnSpPr>
-          <p:cNvPr id="67" name="Gerade Verbindung mit Pfeil 66">
-            <a:extLst>
-              <a:ext uri="{FF2B5EF4-FFF2-40B4-BE49-F238E27FC236}">
-                <a16:creationId xmlns:a16="http://schemas.microsoft.com/office/drawing/2014/main" id="{67B49FAA-40AC-429C-83FF-CCC9D8252EAD}"/>
+          <p:cNvPr id="37" name="Gerade Verbindung mit Pfeil 36">
+            <a:extLst>
+              <a:ext uri="{FF2B5EF4-FFF2-40B4-BE49-F238E27FC236}">
+                <a16:creationId xmlns:a16="http://schemas.microsoft.com/office/drawing/2014/main" id="{6AD3CCCD-5891-4137-A97E-688372597B4F}"/>
               </a:ext>
             </a:extLst>
           </p:cNvPr>
           <p:cNvCxnSpPr>
-            <a:stCxn id="7" idx="3"/>
-            <a:endCxn id="15" idx="1"/>
+            <a:cxnSpLocks/>
+            <a:stCxn id="7" idx="0"/>
+            <a:endCxn id="34" idx="2"/>
           </p:cNvCxnSpPr>
           <p:nvPr/>
         </p:nvCxnSpPr>
         <p:spPr>
-          <a:xfrm>
-            <a:off x="6378779" y="3533067"/>
-            <a:ext cx="2258467" cy="431565"/>
+          <a:xfrm flipH="1" flipV="1">
+            <a:off x="5163555" y="3034614"/>
+            <a:ext cx="517136" cy="353427"/>
           </a:xfrm>
           <a:prstGeom prst="straightConnector1">
             <a:avLst/>
           </a:prstGeom>
-          <a:ln w="31750" cmpd="dbl">
+          <a:ln>
+            <a:tailEnd type="arrow"/>
+          </a:ln>
+        </p:spPr>
+        <p:style>
+          <a:lnRef idx="1">
+            <a:schemeClr val="dk1"/>
+          </a:lnRef>
+          <a:fillRef idx="0">
+            <a:schemeClr val="dk1"/>
+          </a:fillRef>
+          <a:effectRef idx="0">
+            <a:schemeClr val="dk1"/>
+          </a:effectRef>
+          <a:fontRef idx="minor">
+            <a:schemeClr val="tx1"/>
+          </a:fontRef>
+        </p:style>
+      </p:cxnSp>
+      <p:sp>
+        <p:nvSpPr>
+          <p:cNvPr id="40" name="Titel 1">
+            <a:extLst>
+              <a:ext uri="{FF2B5EF4-FFF2-40B4-BE49-F238E27FC236}">
+                <a16:creationId xmlns:a16="http://schemas.microsoft.com/office/drawing/2014/main" id="{7911CBB2-79D8-4D68-894C-F8CCDB10FAF2}"/>
+              </a:ext>
+            </a:extLst>
+          </p:cNvPr>
+          <p:cNvSpPr txBox="1">
+            <a:spLocks/>
+          </p:cNvSpPr>
+          <p:nvPr/>
+        </p:nvSpPr>
+        <p:spPr>
+          <a:xfrm>
+            <a:off x="4465466" y="2198026"/>
+            <a:ext cx="1396177" cy="290052"/>
+          </a:xfrm>
+          <a:prstGeom prst="rect">
+            <a:avLst/>
+          </a:prstGeom>
+          <a:solidFill>
+            <a:schemeClr val="bg1">
+              <a:lumMod val="85000"/>
+            </a:schemeClr>
+          </a:solidFill>
+          <a:ln>
+            <a:solidFill>
+              <a:schemeClr val="tx1"/>
+            </a:solidFill>
+          </a:ln>
+        </p:spPr>
+        <p:txBody>
+          <a:bodyPr vert="horz" lIns="91440" tIns="45720" rIns="91440" bIns="45720" rtlCol="0" anchor="b">
+            <a:normAutofit/>
+          </a:bodyPr>
+          <a:lstStyle>
+            <a:lvl1pPr algn="ctr" defTabSz="914400" rtl="0" eaLnBrk="1" latinLnBrk="0" hangingPunct="1">
+              <a:lnSpc>
+                <a:spcPct val="90000"/>
+              </a:lnSpc>
+              <a:spcBef>
+                <a:spcPct val="0"/>
+              </a:spcBef>
+              <a:buNone/>
+              <a:defRPr sz="6000" kern="1200">
+                <a:solidFill>
+                  <a:schemeClr val="tx1"/>
+                </a:solidFill>
+                <a:latin typeface="+mj-lt"/>
+                <a:ea typeface="+mj-ea"/>
+                <a:cs typeface="+mj-cs"/>
+              </a:defRPr>
+            </a:lvl1pPr>
+          </a:lstStyle>
+          <a:p>
+            <a:r>
+              <a:rPr lang="de-DE" sz="1200" dirty="0" err="1">
+                <a:solidFill>
+                  <a:schemeClr val="accent1">
+                    <a:lumMod val="50000"/>
+                  </a:schemeClr>
+                </a:solidFill>
+                <a:latin typeface="Consolas" panose="020B0609020204030204" pitchFamily="49" charset="0"/>
+              </a:rPr>
+              <a:t>QTcpServer</a:t>
+            </a:r>
+            <a:endParaRPr lang="de-DE" sz="1200" dirty="0">
+              <a:solidFill>
+                <a:schemeClr val="accent1">
+                  <a:lumMod val="50000"/>
+                </a:schemeClr>
+              </a:solidFill>
+            </a:endParaRPr>
+          </a:p>
+        </p:txBody>
+      </p:sp>
+      <p:cxnSp>
+        <p:nvCxnSpPr>
+          <p:cNvPr id="41" name="Gerade Verbindung mit Pfeil 40">
+            <a:extLst>
+              <a:ext uri="{FF2B5EF4-FFF2-40B4-BE49-F238E27FC236}">
+                <a16:creationId xmlns:a16="http://schemas.microsoft.com/office/drawing/2014/main" id="{097806CA-7C7D-44A1-9379-0221DA0BFAF6}"/>
+              </a:ext>
+            </a:extLst>
+          </p:cNvPr>
+          <p:cNvCxnSpPr>
+            <a:cxnSpLocks/>
+            <a:stCxn id="34" idx="0"/>
+            <a:endCxn id="40" idx="2"/>
+          </p:cNvCxnSpPr>
+          <p:nvPr/>
+        </p:nvCxnSpPr>
+        <p:spPr>
+          <a:xfrm flipV="1">
+            <a:off x="5163555" y="2488078"/>
+            <a:ext cx="0" cy="256484"/>
+          </a:xfrm>
+          <a:prstGeom prst="straightConnector1">
+            <a:avLst/>
+          </a:prstGeom>
+          <a:ln>
+            <a:tailEnd type="arrow"/>
+          </a:ln>
+        </p:spPr>
+        <p:style>
+          <a:lnRef idx="1">
+            <a:schemeClr val="dk1"/>
+          </a:lnRef>
+          <a:fillRef idx="0">
+            <a:schemeClr val="dk1"/>
+          </a:fillRef>
+          <a:effectRef idx="0">
+            <a:schemeClr val="dk1"/>
+          </a:effectRef>
+          <a:fontRef idx="minor">
+            <a:schemeClr val="tx1"/>
+          </a:fontRef>
+        </p:style>
+      </p:cxnSp>
+      <p:sp>
+        <p:nvSpPr>
+          <p:cNvPr id="44" name="Titel 1">
+            <a:extLst>
+              <a:ext uri="{FF2B5EF4-FFF2-40B4-BE49-F238E27FC236}">
+                <a16:creationId xmlns:a16="http://schemas.microsoft.com/office/drawing/2014/main" id="{0FD0A0D9-03FA-41D8-932A-31DB5AC2A9DD}"/>
+              </a:ext>
+            </a:extLst>
+          </p:cNvPr>
+          <p:cNvSpPr txBox="1">
+            <a:spLocks/>
+          </p:cNvSpPr>
+          <p:nvPr/>
+        </p:nvSpPr>
+        <p:spPr>
+          <a:xfrm>
+            <a:off x="7610849" y="4371655"/>
+            <a:ext cx="2344303" cy="290052"/>
+          </a:xfrm>
+          <a:prstGeom prst="rect">
+            <a:avLst/>
+          </a:prstGeom>
+          <a:solidFill>
+            <a:schemeClr val="bg1">
+              <a:lumMod val="85000"/>
+            </a:schemeClr>
+          </a:solidFill>
+          <a:ln>
+            <a:solidFill>
+              <a:schemeClr val="tx1"/>
+            </a:solidFill>
+          </a:ln>
+        </p:spPr>
+        <p:txBody>
+          <a:bodyPr vert="horz" lIns="91440" tIns="45720" rIns="91440" bIns="45720" rtlCol="0" anchor="b">
+            <a:normAutofit/>
+          </a:bodyPr>
+          <a:lstStyle>
+            <a:lvl1pPr algn="ctr" defTabSz="914400" rtl="0" eaLnBrk="1" latinLnBrk="0" hangingPunct="1">
+              <a:lnSpc>
+                <a:spcPct val="90000"/>
+              </a:lnSpc>
+              <a:spcBef>
+                <a:spcPct val="0"/>
+              </a:spcBef>
+              <a:buNone/>
+              <a:defRPr sz="6000" kern="1200">
+                <a:solidFill>
+                  <a:schemeClr val="tx1"/>
+                </a:solidFill>
+                <a:latin typeface="+mj-lt"/>
+                <a:ea typeface="+mj-ea"/>
+                <a:cs typeface="+mj-cs"/>
+              </a:defRPr>
+            </a:lvl1pPr>
+          </a:lstStyle>
+          <a:p>
+            <a:r>
+              <a:rPr lang="de-DE" sz="1200" dirty="0" err="1">
+                <a:solidFill>
+                  <a:schemeClr val="accent1">
+                    <a:lumMod val="50000"/>
+                  </a:schemeClr>
+                </a:solidFill>
+                <a:latin typeface="Consolas" panose="020B0609020204030204" pitchFamily="49" charset="0"/>
+              </a:rPr>
+              <a:t>Ipc</a:t>
+            </a:r>
+            <a:r>
+              <a:rPr lang="de-DE" sz="1200" dirty="0">
+                <a:solidFill>
+                  <a:schemeClr val="accent1">
+                    <a:lumMod val="50000"/>
+                  </a:schemeClr>
+                </a:solidFill>
+                <a:latin typeface="Consolas" panose="020B0609020204030204" pitchFamily="49" charset="0"/>
+              </a:rPr>
+              <a:t>::</a:t>
+            </a:r>
+            <a:r>
+              <a:rPr lang="de-DE" sz="1200" dirty="0" err="1">
+                <a:solidFill>
+                  <a:schemeClr val="accent1">
+                    <a:lumMod val="50000"/>
+                  </a:schemeClr>
+                </a:solidFill>
+                <a:latin typeface="Consolas" panose="020B0609020204030204" pitchFamily="49" charset="0"/>
+              </a:rPr>
+              <a:t>CClientGatewayThread</a:t>
+            </a:r>
+            <a:endParaRPr lang="de-DE" sz="1200" dirty="0">
+              <a:solidFill>
+                <a:schemeClr val="accent1">
+                  <a:lumMod val="50000"/>
+                </a:schemeClr>
+              </a:solidFill>
+            </a:endParaRPr>
+          </a:p>
+        </p:txBody>
+      </p:sp>
+      <p:sp>
+        <p:nvSpPr>
+          <p:cNvPr id="45" name="Titel 1">
+            <a:extLst>
+              <a:ext uri="{FF2B5EF4-FFF2-40B4-BE49-F238E27FC236}">
+                <a16:creationId xmlns:a16="http://schemas.microsoft.com/office/drawing/2014/main" id="{C2DB3F4D-F6EC-4197-9BB5-BF0DCF6B640C}"/>
+              </a:ext>
+            </a:extLst>
+          </p:cNvPr>
+          <p:cNvSpPr txBox="1">
+            <a:spLocks/>
+          </p:cNvSpPr>
+          <p:nvPr/>
+        </p:nvSpPr>
+        <p:spPr>
+          <a:xfrm>
+            <a:off x="8088652" y="4877711"/>
+            <a:ext cx="1396177" cy="290052"/>
+          </a:xfrm>
+          <a:prstGeom prst="rect">
+            <a:avLst/>
+          </a:prstGeom>
+          <a:solidFill>
+            <a:schemeClr val="bg1">
+              <a:lumMod val="85000"/>
+            </a:schemeClr>
+          </a:solidFill>
+          <a:ln>
+            <a:solidFill>
+              <a:schemeClr val="tx1"/>
+            </a:solidFill>
+          </a:ln>
+        </p:spPr>
+        <p:txBody>
+          <a:bodyPr vert="horz" lIns="91440" tIns="45720" rIns="91440" bIns="45720" rtlCol="0" anchor="b">
+            <a:normAutofit/>
+          </a:bodyPr>
+          <a:lstStyle>
+            <a:lvl1pPr algn="ctr" defTabSz="914400" rtl="0" eaLnBrk="1" latinLnBrk="0" hangingPunct="1">
+              <a:lnSpc>
+                <a:spcPct val="90000"/>
+              </a:lnSpc>
+              <a:spcBef>
+                <a:spcPct val="0"/>
+              </a:spcBef>
+              <a:buNone/>
+              <a:defRPr sz="6000" kern="1200">
+                <a:solidFill>
+                  <a:schemeClr val="tx1"/>
+                </a:solidFill>
+                <a:latin typeface="+mj-lt"/>
+                <a:ea typeface="+mj-ea"/>
+                <a:cs typeface="+mj-cs"/>
+              </a:defRPr>
+            </a:lvl1pPr>
+          </a:lstStyle>
+          <a:p>
+            <a:r>
+              <a:rPr lang="de-DE" sz="1200" dirty="0" err="1">
+                <a:solidFill>
+                  <a:schemeClr val="accent1">
+                    <a:lumMod val="50000"/>
+                  </a:schemeClr>
+                </a:solidFill>
+                <a:latin typeface="Consolas" panose="020B0609020204030204" pitchFamily="49" charset="0"/>
+              </a:rPr>
+              <a:t>QTcpSocket</a:t>
+            </a:r>
+            <a:endParaRPr lang="de-DE" sz="1200" dirty="0">
+              <a:solidFill>
+                <a:schemeClr val="accent1">
+                  <a:lumMod val="50000"/>
+                </a:schemeClr>
+              </a:solidFill>
+            </a:endParaRPr>
+          </a:p>
+        </p:txBody>
+      </p:sp>
+      <p:sp>
+        <p:nvSpPr>
+          <p:cNvPr id="47" name="Titel 1">
+            <a:extLst>
+              <a:ext uri="{FF2B5EF4-FFF2-40B4-BE49-F238E27FC236}">
+                <a16:creationId xmlns:a16="http://schemas.microsoft.com/office/drawing/2014/main" id="{2F94DF2C-4F30-4AAF-A192-D9C9BF60A8B2}"/>
+              </a:ext>
+            </a:extLst>
+          </p:cNvPr>
+          <p:cNvSpPr txBox="1">
+            <a:spLocks/>
+          </p:cNvSpPr>
+          <p:nvPr/>
+        </p:nvSpPr>
+        <p:spPr>
+          <a:xfrm>
+            <a:off x="4465466" y="1421632"/>
+            <a:ext cx="1396177" cy="290052"/>
+          </a:xfrm>
+          <a:prstGeom prst="rect">
+            <a:avLst/>
+          </a:prstGeom>
+          <a:solidFill>
+            <a:schemeClr val="bg1">
+              <a:lumMod val="85000"/>
+            </a:schemeClr>
+          </a:solidFill>
+          <a:ln>
+            <a:solidFill>
+              <a:schemeClr val="tx1"/>
+            </a:solidFill>
+          </a:ln>
+        </p:spPr>
+        <p:txBody>
+          <a:bodyPr vert="horz" lIns="91440" tIns="45720" rIns="91440" bIns="45720" rtlCol="0" anchor="b">
+            <a:normAutofit/>
+          </a:bodyPr>
+          <a:lstStyle>
+            <a:lvl1pPr algn="ctr" defTabSz="914400" rtl="0" eaLnBrk="1" latinLnBrk="0" hangingPunct="1">
+              <a:lnSpc>
+                <a:spcPct val="90000"/>
+              </a:lnSpc>
+              <a:spcBef>
+                <a:spcPct val="0"/>
+              </a:spcBef>
+              <a:buNone/>
+              <a:defRPr sz="6000" kern="1200">
+                <a:solidFill>
+                  <a:schemeClr val="tx1"/>
+                </a:solidFill>
+                <a:latin typeface="+mj-lt"/>
+                <a:ea typeface="+mj-ea"/>
+                <a:cs typeface="+mj-cs"/>
+              </a:defRPr>
+            </a:lvl1pPr>
+          </a:lstStyle>
+          <a:p>
+            <a:r>
+              <a:rPr lang="de-DE" sz="1200" dirty="0" err="1">
+                <a:solidFill>
+                  <a:schemeClr val="accent1">
+                    <a:lumMod val="50000"/>
+                  </a:schemeClr>
+                </a:solidFill>
+                <a:latin typeface="Consolas" panose="020B0609020204030204" pitchFamily="49" charset="0"/>
+              </a:rPr>
+              <a:t>QTcpSocket</a:t>
+            </a:r>
+            <a:endParaRPr lang="de-DE" sz="1200" dirty="0">
+              <a:solidFill>
+                <a:schemeClr val="accent1">
+                  <a:lumMod val="50000"/>
+                </a:schemeClr>
+              </a:solidFill>
+            </a:endParaRPr>
+          </a:p>
+        </p:txBody>
+      </p:sp>
+      <p:cxnSp>
+        <p:nvCxnSpPr>
+          <p:cNvPr id="48" name="Gerade Verbindung mit Pfeil 47">
+            <a:extLst>
+              <a:ext uri="{FF2B5EF4-FFF2-40B4-BE49-F238E27FC236}">
+                <a16:creationId xmlns:a16="http://schemas.microsoft.com/office/drawing/2014/main" id="{4E0FBCCA-5EDE-48D5-AA96-97473DB76D3B}"/>
+              </a:ext>
+            </a:extLst>
+          </p:cNvPr>
+          <p:cNvCxnSpPr>
+            <a:cxnSpLocks/>
+            <a:stCxn id="40" idx="0"/>
+            <a:endCxn id="47" idx="2"/>
+          </p:cNvCxnSpPr>
+          <p:nvPr/>
+        </p:nvCxnSpPr>
+        <p:spPr>
+          <a:xfrm flipV="1">
+            <a:off x="5163555" y="1711684"/>
+            <a:ext cx="0" cy="486342"/>
+          </a:xfrm>
+          <a:prstGeom prst="straightConnector1">
+            <a:avLst/>
+          </a:prstGeom>
+          <a:ln>
+            <a:tailEnd type="arrow"/>
+          </a:ln>
+        </p:spPr>
+        <p:style>
+          <a:lnRef idx="1">
+            <a:schemeClr val="dk1"/>
+          </a:lnRef>
+          <a:fillRef idx="0">
+            <a:schemeClr val="dk1"/>
+          </a:fillRef>
+          <a:effectRef idx="0">
+            <a:schemeClr val="dk1"/>
+          </a:effectRef>
+          <a:fontRef idx="minor">
+            <a:schemeClr val="tx1"/>
+          </a:fontRef>
+        </p:style>
+      </p:cxnSp>
+      <p:sp>
+        <p:nvSpPr>
+          <p:cNvPr id="50" name="Textfeld 49">
+            <a:extLst>
+              <a:ext uri="{FF2B5EF4-FFF2-40B4-BE49-F238E27FC236}">
+                <a16:creationId xmlns:a16="http://schemas.microsoft.com/office/drawing/2014/main" id="{CB133449-9485-4021-97DC-8C90FB9C6D7B}"/>
+              </a:ext>
+            </a:extLst>
+          </p:cNvPr>
+          <p:cNvSpPr txBox="1"/>
+          <p:nvPr/>
+        </p:nvSpPr>
+        <p:spPr>
+          <a:xfrm>
+            <a:off x="4095541" y="1773285"/>
+            <a:ext cx="1154482" cy="400110"/>
+          </a:xfrm>
+          <a:prstGeom prst="rect">
+            <a:avLst/>
+          </a:prstGeom>
+          <a:noFill/>
+        </p:spPr>
+        <p:txBody>
+          <a:bodyPr wrap="none" rtlCol="0">
+            <a:spAutoFit/>
+          </a:bodyPr>
+          <a:lstStyle/>
+          <a:p>
+            <a:pPr algn="ctr"/>
+            <a:r>
+              <a:rPr lang="de-DE" sz="1000" dirty="0" err="1"/>
+              <a:t>creates</a:t>
+            </a:r>
+            <a:endParaRPr lang="de-DE" sz="1000" dirty="0"/>
+          </a:p>
+          <a:p>
+            <a:pPr algn="ctr"/>
+            <a:r>
+              <a:rPr lang="de-DE" sz="1000" dirty="0" err="1"/>
+              <a:t>onNewConnection</a:t>
+            </a:r>
+            <a:endParaRPr lang="de-DE" sz="1000" dirty="0"/>
+          </a:p>
+        </p:txBody>
+      </p:sp>
+      <p:cxnSp>
+        <p:nvCxnSpPr>
+          <p:cNvPr id="51" name="Gerade Verbindung mit Pfeil 50">
+            <a:extLst>
+              <a:ext uri="{FF2B5EF4-FFF2-40B4-BE49-F238E27FC236}">
+                <a16:creationId xmlns:a16="http://schemas.microsoft.com/office/drawing/2014/main" id="{09787DFB-DBFF-4C08-B16A-FD926FE623D4}"/>
+              </a:ext>
+            </a:extLst>
+          </p:cNvPr>
+          <p:cNvCxnSpPr>
+            <a:cxnSpLocks/>
+            <a:stCxn id="15" idx="2"/>
+            <a:endCxn id="44" idx="0"/>
+          </p:cNvCxnSpPr>
+          <p:nvPr/>
+        </p:nvCxnSpPr>
+        <p:spPr>
+          <a:xfrm>
+            <a:off x="8782281" y="4109658"/>
+            <a:ext cx="720" cy="261997"/>
+          </a:xfrm>
+          <a:prstGeom prst="straightConnector1">
+            <a:avLst/>
+          </a:prstGeom>
+          <a:ln>
+            <a:tailEnd type="arrow"/>
+          </a:ln>
+        </p:spPr>
+        <p:style>
+          <a:lnRef idx="1">
+            <a:schemeClr val="dk1"/>
+          </a:lnRef>
+          <a:fillRef idx="0">
+            <a:schemeClr val="dk1"/>
+          </a:fillRef>
+          <a:effectRef idx="0">
+            <a:schemeClr val="dk1"/>
+          </a:effectRef>
+          <a:fontRef idx="minor">
+            <a:schemeClr val="tx1"/>
+          </a:fontRef>
+        </p:style>
+      </p:cxnSp>
+      <p:cxnSp>
+        <p:nvCxnSpPr>
+          <p:cNvPr id="55" name="Gerade Verbindung mit Pfeil 54">
+            <a:extLst>
+              <a:ext uri="{FF2B5EF4-FFF2-40B4-BE49-F238E27FC236}">
+                <a16:creationId xmlns:a16="http://schemas.microsoft.com/office/drawing/2014/main" id="{4D5E3B54-38AA-4538-A34F-7647FE8792C6}"/>
+              </a:ext>
+            </a:extLst>
+          </p:cNvPr>
+          <p:cNvCxnSpPr>
+            <a:cxnSpLocks/>
+            <a:stCxn id="44" idx="2"/>
+            <a:endCxn id="45" idx="0"/>
+          </p:cNvCxnSpPr>
+          <p:nvPr/>
+        </p:nvCxnSpPr>
+        <p:spPr>
+          <a:xfrm>
+            <a:off x="8783001" y="4661707"/>
+            <a:ext cx="3740" cy="216004"/>
+          </a:xfrm>
+          <a:prstGeom prst="straightConnector1">
+            <a:avLst/>
+          </a:prstGeom>
+          <a:ln>
+            <a:tailEnd type="arrow"/>
+          </a:ln>
+        </p:spPr>
+        <p:style>
+          <a:lnRef idx="1">
+            <a:schemeClr val="dk1"/>
+          </a:lnRef>
+          <a:fillRef idx="0">
+            <a:schemeClr val="dk1"/>
+          </a:fillRef>
+          <a:effectRef idx="0">
+            <a:schemeClr val="dk1"/>
+          </a:effectRef>
+          <a:fontRef idx="minor">
+            <a:schemeClr val="tx1"/>
+          </a:fontRef>
+        </p:style>
+      </p:cxnSp>
+      <p:cxnSp>
+        <p:nvCxnSpPr>
+          <p:cNvPr id="59" name="Verbinder: gewinkelt 58">
+            <a:extLst>
+              <a:ext uri="{FF2B5EF4-FFF2-40B4-BE49-F238E27FC236}">
+                <a16:creationId xmlns:a16="http://schemas.microsoft.com/office/drawing/2014/main" id="{5B84F043-F95B-4CD9-B034-0B3D96A05FBC}"/>
+              </a:ext>
+            </a:extLst>
+          </p:cNvPr>
+          <p:cNvCxnSpPr>
+            <a:cxnSpLocks/>
+            <a:stCxn id="47" idx="3"/>
+            <a:endCxn id="45" idx="1"/>
+          </p:cNvCxnSpPr>
+          <p:nvPr/>
+        </p:nvCxnSpPr>
+        <p:spPr>
+          <a:xfrm>
+            <a:off x="5861643" y="1566658"/>
+            <a:ext cx="2227009" cy="3456079"/>
+          </a:xfrm>
+          <a:prstGeom prst="bentConnector3">
+            <a:avLst/>
+          </a:prstGeom>
+          <a:ln w="53975" cmpd="dbl">
             <a:headEnd type="triangle"/>
             <a:tailEnd type="triangle"/>
           </a:ln>
@@ -5228,10 +5963,10 @@
       </p:cxnSp>
       <p:sp>
         <p:nvSpPr>
-          <p:cNvPr id="68" name="Textfeld 67">
-            <a:extLst>
-              <a:ext uri="{FF2B5EF4-FFF2-40B4-BE49-F238E27FC236}">
-                <a16:creationId xmlns:a16="http://schemas.microsoft.com/office/drawing/2014/main" id="{DC3D8D6D-472A-428B-A3BE-B793130FF065}"/>
+          <p:cNvPr id="52" name="Textfeld 51">
+            <a:extLst>
+              <a:ext uri="{FF2B5EF4-FFF2-40B4-BE49-F238E27FC236}">
+                <a16:creationId xmlns:a16="http://schemas.microsoft.com/office/drawing/2014/main" id="{B421FCA2-AA0E-4993-B71E-712B4E9B2199}"/>
               </a:ext>
             </a:extLst>
           </p:cNvPr>
@@ -5240,8 +5975,8 @@
         </p:nvSpPr>
         <p:spPr>
           <a:xfrm>
-            <a:off x="6550242" y="3575480"/>
-            <a:ext cx="1532471" cy="307777"/>
+            <a:off x="1569235" y="1760068"/>
+            <a:ext cx="2335896" cy="553998"/>
           </a:xfrm>
           <a:prstGeom prst="rect">
             <a:avLst/>
@@ -5254,13 +5989,167 @@
           </a:bodyPr>
           <a:lstStyle/>
           <a:p>
-            <a:r>
-              <a:rPr lang="de-DE" sz="1400" dirty="0"/>
-              <a:t>TCP/IP Connection</a:t>
-            </a:r>
-          </a:p>
-        </p:txBody>
-      </p:sp>
+            <a:pPr marL="171450" indent="-171450">
+              <a:buFont typeface="Arial" panose="020B0604020202020204" pitchFamily="34" charset="0"/>
+              <a:buChar char="•"/>
+            </a:pPr>
+            <a:r>
+              <a:rPr lang="de-DE" sz="1000" dirty="0" err="1"/>
+              <a:t>receives</a:t>
+            </a:r>
+            <a:r>
+              <a:rPr lang="de-DE" sz="1000" dirty="0"/>
+              <a:t> </a:t>
+            </a:r>
+            <a:r>
+              <a:rPr lang="de-DE" sz="1000" dirty="0" err="1"/>
+              <a:t>data</a:t>
+            </a:r>
+            <a:r>
+              <a:rPr lang="de-DE" sz="1000" dirty="0"/>
+              <a:t> </a:t>
+            </a:r>
+            <a:r>
+              <a:rPr lang="de-DE" sz="1000" dirty="0" err="1"/>
+              <a:t>blocks</a:t>
+            </a:r>
+            <a:endParaRPr lang="de-DE" sz="1000" dirty="0"/>
+          </a:p>
+          <a:p>
+            <a:pPr marL="171450" indent="-171450">
+              <a:buFont typeface="Arial" panose="020B0604020202020204" pitchFamily="34" charset="0"/>
+              <a:buChar char="•"/>
+            </a:pPr>
+            <a:r>
+              <a:rPr lang="de-DE" sz="1000" dirty="0" err="1"/>
+              <a:t>wrappes</a:t>
+            </a:r>
+            <a:r>
+              <a:rPr lang="de-DE" sz="1000" dirty="0"/>
+              <a:t> </a:t>
+            </a:r>
+            <a:r>
+              <a:rPr lang="de-DE" sz="1000" dirty="0" err="1"/>
+              <a:t>them</a:t>
+            </a:r>
+            <a:r>
+              <a:rPr lang="de-DE" sz="1000" dirty="0"/>
+              <a:t> </a:t>
+            </a:r>
+            <a:r>
+              <a:rPr lang="de-DE" sz="1000" dirty="0" err="1"/>
+              <a:t>into</a:t>
+            </a:r>
+            <a:r>
+              <a:rPr lang="de-DE" sz="1000" dirty="0"/>
+              <a:t> a </a:t>
+            </a:r>
+            <a:r>
+              <a:rPr lang="de-DE" sz="1000" dirty="0" err="1"/>
+              <a:t>message</a:t>
+            </a:r>
+            <a:endParaRPr lang="de-DE" sz="1000" dirty="0"/>
+          </a:p>
+          <a:p>
+            <a:pPr marL="171450" indent="-171450">
+              <a:buFont typeface="Arial" panose="020B0604020202020204" pitchFamily="34" charset="0"/>
+              <a:buChar char="•"/>
+            </a:pPr>
+            <a:r>
+              <a:rPr lang="de-DE" sz="1000" dirty="0" err="1"/>
+              <a:t>sends</a:t>
+            </a:r>
+            <a:r>
+              <a:rPr lang="de-DE" sz="1000" dirty="0"/>
+              <a:t> </a:t>
+            </a:r>
+            <a:r>
+              <a:rPr lang="de-DE" sz="1000" dirty="0" err="1"/>
+              <a:t>the</a:t>
+            </a:r>
+            <a:r>
+              <a:rPr lang="de-DE" sz="1000" dirty="0"/>
+              <a:t> </a:t>
+            </a:r>
+            <a:r>
+              <a:rPr lang="de-DE" sz="1000" dirty="0" err="1"/>
+              <a:t>data</a:t>
+            </a:r>
+            <a:r>
+              <a:rPr lang="de-DE" sz="1000" dirty="0"/>
+              <a:t> </a:t>
+            </a:r>
+            <a:r>
+              <a:rPr lang="de-DE" sz="1000" dirty="0" err="1"/>
+              <a:t>message</a:t>
+            </a:r>
+            <a:r>
+              <a:rPr lang="de-DE" sz="1000" dirty="0"/>
+              <a:t> </a:t>
+            </a:r>
+            <a:r>
+              <a:rPr lang="de-DE" sz="1000" dirty="0" err="1"/>
+              <a:t>to</a:t>
+            </a:r>
+            <a:r>
+              <a:rPr lang="de-DE" sz="1000" dirty="0"/>
+              <a:t> </a:t>
+            </a:r>
+            <a:r>
+              <a:rPr lang="de-DE" sz="1000" dirty="0" err="1"/>
+              <a:t>Ipc</a:t>
+            </a:r>
+            <a:r>
+              <a:rPr lang="de-DE" sz="1000" dirty="0"/>
+              <a:t>::Server</a:t>
+            </a:r>
+          </a:p>
+        </p:txBody>
+      </p:sp>
+      <p:cxnSp>
+        <p:nvCxnSpPr>
+          <p:cNvPr id="54" name="Gerade Verbindung mit Pfeil 53">
+            <a:extLst>
+              <a:ext uri="{FF2B5EF4-FFF2-40B4-BE49-F238E27FC236}">
+                <a16:creationId xmlns:a16="http://schemas.microsoft.com/office/drawing/2014/main" id="{DEE403E7-5A09-4E03-861A-653F17BB201F}"/>
+              </a:ext>
+            </a:extLst>
+          </p:cNvPr>
+          <p:cNvCxnSpPr>
+            <a:cxnSpLocks/>
+            <a:stCxn id="52" idx="2"/>
+            <a:endCxn id="34" idx="0"/>
+          </p:cNvCxnSpPr>
+          <p:nvPr/>
+        </p:nvCxnSpPr>
+        <p:spPr>
+          <a:xfrm>
+            <a:off x="2737183" y="2314066"/>
+            <a:ext cx="2426372" cy="430496"/>
+          </a:xfrm>
+          <a:prstGeom prst="straightConnector1">
+            <a:avLst/>
+          </a:prstGeom>
+          <a:ln>
+            <a:prstDash val="sysDash"/>
+            <a:tailEnd type="arrow"/>
+          </a:ln>
+        </p:spPr>
+        <p:style>
+          <a:lnRef idx="1">
+            <a:schemeClr val="dk1"/>
+          </a:lnRef>
+          <a:fillRef idx="0">
+            <a:schemeClr val="dk1"/>
+          </a:fillRef>
+          <a:effectRef idx="0">
+            <a:schemeClr val="dk1"/>
+          </a:effectRef>
+          <a:fontRef idx="minor">
+            <a:schemeClr val="tx1"/>
+          </a:fontRef>
+        </p:style>
+      </p:cxnSp>
     </p:spTree>
     <p:extLst>
       <p:ext uri="{BB962C8B-B14F-4D97-AF65-F5344CB8AC3E}">
